--- a/slides/0201Recitation.pptx
+++ b/slides/0201Recitation.pptx
@@ -211,7 +211,7 @@
           <a:p>
             <a:fld id="{4B2C3995-10D3-7249-9CF2-C18001382AD9}" type="datetimeFigureOut">
               <a:rPr lang="en-US" smtClean="0"/>
-              <a:t>1/31/22</a:t>
+              <a:t>2/1/22</a:t>
             </a:fld>
             <a:endParaRPr lang="en-US"/>
           </a:p>
@@ -1174,7 +1174,7 @@
           <a:p>
             <a:fld id="{4AAD347D-5ACD-4C99-B74B-A9C85AD731AF}" type="datetimeFigureOut">
               <a:rPr lang="en-US" dirty="0"/>
-              <a:t>1/31/22</a:t>
+              <a:t>2/1/22</a:t>
             </a:fld>
             <a:endParaRPr lang="en-US" dirty="0"/>
           </a:p>
@@ -1444,7 +1444,7 @@
           <a:p>
             <a:fld id="{4509A250-FF31-4206-8172-F9D3106AACB1}" type="datetimeFigureOut">
               <a:rPr lang="en-US" dirty="0"/>
-              <a:t>1/31/22</a:t>
+              <a:t>2/1/22</a:t>
             </a:fld>
             <a:endParaRPr lang="en-US" dirty="0"/>
           </a:p>
@@ -1633,7 +1633,7 @@
           <a:p>
             <a:fld id="{4509A250-FF31-4206-8172-F9D3106AACB1}" type="datetimeFigureOut">
               <a:rPr lang="en-US" dirty="0"/>
-              <a:t>1/31/22</a:t>
+              <a:t>2/1/22</a:t>
             </a:fld>
             <a:endParaRPr lang="en-US" dirty="0"/>
           </a:p>
@@ -1901,7 +1901,7 @@
           <a:p>
             <a:fld id="{4509A250-FF31-4206-8172-F9D3106AACB1}" type="datetimeFigureOut">
               <a:rPr lang="en-US" dirty="0"/>
-              <a:t>1/31/22</a:t>
+              <a:t>2/1/22</a:t>
             </a:fld>
             <a:endParaRPr lang="en-US" dirty="0"/>
           </a:p>
@@ -2237,7 +2237,7 @@
           <a:p>
             <a:fld id="{4509A250-FF31-4206-8172-F9D3106AACB1}" type="datetimeFigureOut">
               <a:rPr lang="en-US" dirty="0"/>
-              <a:t>1/31/22</a:t>
+              <a:t>2/1/22</a:t>
             </a:fld>
             <a:endParaRPr lang="en-US" dirty="0"/>
           </a:p>
@@ -2855,7 +2855,7 @@
           <a:p>
             <a:fld id="{4509A250-FF31-4206-8172-F9D3106AACB1}" type="datetimeFigureOut">
               <a:rPr lang="en-US" dirty="0"/>
-              <a:t>1/31/22</a:t>
+              <a:t>2/1/22</a:t>
             </a:fld>
             <a:endParaRPr lang="en-US" dirty="0"/>
           </a:p>
@@ -3710,7 +3710,7 @@
           <a:p>
             <a:fld id="{4509A250-FF31-4206-8172-F9D3106AACB1}" type="datetimeFigureOut">
               <a:rPr lang="en-US" dirty="0"/>
-              <a:t>1/31/22</a:t>
+              <a:t>2/1/22</a:t>
             </a:fld>
             <a:endParaRPr lang="en-US" dirty="0"/>
           </a:p>
@@ -3875,7 +3875,7 @@
           <a:p>
             <a:fld id="{4509A250-FF31-4206-8172-F9D3106AACB1}" type="datetimeFigureOut">
               <a:rPr lang="en-US" dirty="0"/>
-              <a:t>1/31/22</a:t>
+              <a:t>2/1/22</a:t>
             </a:fld>
             <a:endParaRPr lang="en-US" dirty="0"/>
           </a:p>
@@ -4050,7 +4050,7 @@
           <a:p>
             <a:fld id="{4509A250-FF31-4206-8172-F9D3106AACB1}" type="datetimeFigureOut">
               <a:rPr lang="en-US" dirty="0"/>
-              <a:t>1/31/22</a:t>
+              <a:t>2/1/22</a:t>
             </a:fld>
             <a:endParaRPr lang="en-US" dirty="0"/>
           </a:p>
@@ -4215,7 +4215,7 @@
           <a:p>
             <a:fld id="{4509A250-FF31-4206-8172-F9D3106AACB1}" type="datetimeFigureOut">
               <a:rPr lang="en-US" dirty="0"/>
-              <a:t>1/31/22</a:t>
+              <a:t>2/1/22</a:t>
             </a:fld>
             <a:endParaRPr lang="en-US" dirty="0"/>
           </a:p>
@@ -4457,7 +4457,7 @@
           <a:p>
             <a:fld id="{9796027F-7875-4030-9381-8BD8C4F21935}" type="datetimeFigureOut">
               <a:rPr lang="en-US" dirty="0"/>
-              <a:t>1/31/22</a:t>
+              <a:t>2/1/22</a:t>
             </a:fld>
             <a:endParaRPr lang="en-US" dirty="0"/>
           </a:p>
@@ -4744,7 +4744,7 @@
           <a:p>
             <a:fld id="{9796027F-7875-4030-9381-8BD8C4F21935}" type="datetimeFigureOut">
               <a:rPr lang="en-US" dirty="0"/>
-              <a:t>1/31/22</a:t>
+              <a:t>2/1/22</a:t>
             </a:fld>
             <a:endParaRPr lang="en-US" dirty="0"/>
           </a:p>
@@ -5183,7 +5183,7 @@
           <a:p>
             <a:fld id="{9796027F-7875-4030-9381-8BD8C4F21935}" type="datetimeFigureOut">
               <a:rPr lang="en-US" dirty="0"/>
-              <a:t>1/31/22</a:t>
+              <a:t>2/1/22</a:t>
             </a:fld>
             <a:endParaRPr lang="en-US" dirty="0"/>
           </a:p>
@@ -5296,7 +5296,7 @@
           <a:p>
             <a:fld id="{4509A250-FF31-4206-8172-F9D3106AACB1}" type="datetimeFigureOut">
               <a:rPr lang="en-US" dirty="0"/>
-              <a:t>1/31/22</a:t>
+              <a:t>2/1/22</a:t>
             </a:fld>
             <a:endParaRPr lang="en-US" dirty="0"/>
           </a:p>
@@ -5386,7 +5386,7 @@
           <a:p>
             <a:fld id="{4509A250-FF31-4206-8172-F9D3106AACB1}" type="datetimeFigureOut">
               <a:rPr lang="en-US" dirty="0"/>
-              <a:t>1/31/22</a:t>
+              <a:t>2/1/22</a:t>
             </a:fld>
             <a:endParaRPr lang="en-US" dirty="0"/>
           </a:p>
@@ -5660,7 +5660,7 @@
           <a:p>
             <a:fld id="{4509A250-FF31-4206-8172-F9D3106AACB1}" type="datetimeFigureOut">
               <a:rPr lang="en-US" dirty="0"/>
-              <a:t>1/31/22</a:t>
+              <a:t>2/1/22</a:t>
             </a:fld>
             <a:endParaRPr lang="en-US" dirty="0"/>
           </a:p>
@@ -5930,7 +5930,7 @@
           <a:p>
             <a:fld id="{4509A250-FF31-4206-8172-F9D3106AACB1}" type="datetimeFigureOut">
               <a:rPr lang="en-US" dirty="0"/>
-              <a:t>1/31/22</a:t>
+              <a:t>2/1/22</a:t>
             </a:fld>
             <a:endParaRPr lang="en-US" dirty="0"/>
           </a:p>
@@ -6354,7 +6354,7 @@
           <a:p>
             <a:fld id="{4AAD347D-5ACD-4C99-B74B-A9C85AD731AF}" type="datetimeFigureOut">
               <a:rPr lang="en-US" dirty="0"/>
-              <a:t>1/31/22</a:t>
+              <a:t>2/1/22</a:t>
             </a:fld>
             <a:endParaRPr lang="en-US" dirty="0"/>
           </a:p>
